--- a/Slides/Lecture 4-4.pptx
+++ b/Slides/Lecture 4-4.pptx
@@ -224,7 +224,7 @@
             <a:fld id="{A6781D3C-003D-4837-A496-9A32CDA8003A}" type="datetimeFigureOut">
               <a:rPr lang="en-US" smtClean="0"/>
               <a:pPr/>
-              <a:t>1/24/19</a:t>
+              <a:t>1/20/2019</a:t>
             </a:fld>
             <a:endParaRPr lang="en-US"/>
           </a:p>
@@ -4758,6 +4758,14 @@
   <p:clrMapOvr>
     <a:masterClrMapping/>
   </p:clrMapOvr>
+  <mc:AlternateContent xmlns:mc="http://schemas.openxmlformats.org/markup-compatibility/2006" xmlns:p14="http://schemas.microsoft.com/office/powerpoint/2010/main">
+    <mc:Choice Requires="p14">
+      <p:transition spd="slow" p14:dur="2000"/>
+    </mc:Choice>
+    <mc:Fallback xmlns="">
+      <p:transition spd="slow"/>
+    </mc:Fallback>
+  </mc:AlternateContent>
   <p:timing>
     <p:tnLst>
       <p:par>
@@ -5929,7 +5937,7 @@
           <a:graphicData uri="http://schemas.openxmlformats.org/presentationml/2006/ole">
             <mc:AlternateContent xmlns:mc="http://schemas.openxmlformats.org/markup-compatibility/2006">
               <mc:Choice xmlns:v="urn:schemas-microsoft-com:vml" Requires="v">
-                <p:oleObj spid="_x0000_s2065" name="Document" r:id="rId3" imgW="6943674" imgH="3220911" progId="Word.Document.8">
+                <p:oleObj spid="_x0000_s2064" name="Document" r:id="rId3" imgW="6943674" imgH="3220911" progId="Word.Document.8">
                   <p:embed/>
                 </p:oleObj>
               </mc:Choice>
@@ -6529,6 +6537,14 @@
   <p:clrMapOvr>
     <a:masterClrMapping/>
   </p:clrMapOvr>
+  <mc:AlternateContent xmlns:mc="http://schemas.openxmlformats.org/markup-compatibility/2006" xmlns:p14="http://schemas.microsoft.com/office/powerpoint/2010/main">
+    <mc:Choice Requires="p14">
+      <p:transition spd="slow" p14:dur="2000"/>
+    </mc:Choice>
+    <mc:Fallback xmlns="">
+      <p:transition spd="slow"/>
+    </mc:Fallback>
+  </mc:AlternateContent>
   <p:timing>
     <p:tnLst>
       <p:par>
@@ -6976,6 +6992,14 @@
   <p:clrMapOvr>
     <a:masterClrMapping/>
   </p:clrMapOvr>
+  <mc:AlternateContent xmlns:mc="http://schemas.openxmlformats.org/markup-compatibility/2006" xmlns:p14="http://schemas.microsoft.com/office/powerpoint/2010/main">
+    <mc:Choice Requires="p14">
+      <p:transition spd="slow" p14:dur="2000"/>
+    </mc:Choice>
+    <mc:Fallback xmlns="">
+      <p:transition spd="slow"/>
+    </mc:Fallback>
+  </mc:AlternateContent>
   <p:timing>
     <p:tnLst>
       <p:par>
@@ -10036,7 +10060,7 @@
           <a:graphicData uri="http://schemas.openxmlformats.org/presentationml/2006/ole">
             <mc:AlternateContent xmlns:mc="http://schemas.openxmlformats.org/markup-compatibility/2006">
               <mc:Choice xmlns:v="urn:schemas-microsoft-com:vml" Requires="v">
-                <p:oleObj spid="_x0000_s1056" name="Equation" r:id="rId3" imgW="774360" imgH="228600" progId="Equation.3">
+                <p:oleObj spid="_x0000_s1054" name="Equation" r:id="rId3" imgW="774360" imgH="228600" progId="Equation.3">
                   <p:embed/>
                 </p:oleObj>
               </mc:Choice>
@@ -10312,7 +10336,7 @@
           <a:graphicData uri="http://schemas.openxmlformats.org/presentationml/2006/ole">
             <mc:AlternateContent xmlns:mc="http://schemas.openxmlformats.org/markup-compatibility/2006">
               <mc:Choice xmlns:v="urn:schemas-microsoft-com:vml" Requires="v">
-                <p:oleObj spid="_x0000_s1057" name="Equation" r:id="rId5" imgW="1333440" imgH="203040" progId="Equation.3">
+                <p:oleObj spid="_x0000_s1055" name="Equation" r:id="rId5" imgW="1333440" imgH="203040" progId="Equation.3">
                   <p:embed/>
                 </p:oleObj>
               </mc:Choice>
